--- a/0415.pptx
+++ b/0415.pptx
@@ -8,6 +8,8 @@
     <p:sldId id="256" r:id="rId2"/>
     <p:sldId id="257" r:id="rId3"/>
     <p:sldId id="258" r:id="rId4"/>
+    <p:sldId id="259" r:id="rId5"/>
+    <p:sldId id="260" r:id="rId6"/>
   </p:sldIdLst>
   <p:sldSz cx="12192000" cy="6858000"/>
   <p:notesSz cx="6858000" cy="9144000"/>
@@ -106,6 +108,11 @@
       </a:defRPr>
     </a:lvl9pPr>
   </p:defaultTextStyle>
+  <p:extLst>
+    <p:ext uri="{EFAFB233-063F-42B5-8137-9DF3F51BA10A}">
+      <p15:sldGuideLst xmlns:p15="http://schemas.microsoft.com/office/powerpoint/2012/main"/>
+    </p:ext>
+  </p:extLst>
 </p:presentation>
 </file>
 
@@ -240,7 +247,7 @@
           <a:p>
             <a:fld id="{B7EF74F4-BB8A-4C89-B1B4-802A9375397D}" type="datetimeFigureOut">
               <a:rPr lang="ko-KR" altLang="en-US" smtClean="0"/>
-              <a:t>2019-04-15</a:t>
+              <a:t>2019-04-17</a:t>
             </a:fld>
             <a:endParaRPr lang="ko-KR" altLang="en-US"/>
           </a:p>
@@ -410,7 +417,7 @@
           <a:p>
             <a:fld id="{B7EF74F4-BB8A-4C89-B1B4-802A9375397D}" type="datetimeFigureOut">
               <a:rPr lang="ko-KR" altLang="en-US" smtClean="0"/>
-              <a:t>2019-04-15</a:t>
+              <a:t>2019-04-17</a:t>
             </a:fld>
             <a:endParaRPr lang="ko-KR" altLang="en-US"/>
           </a:p>
@@ -590,7 +597,7 @@
           <a:p>
             <a:fld id="{B7EF74F4-BB8A-4C89-B1B4-802A9375397D}" type="datetimeFigureOut">
               <a:rPr lang="ko-KR" altLang="en-US" smtClean="0"/>
-              <a:t>2019-04-15</a:t>
+              <a:t>2019-04-17</a:t>
             </a:fld>
             <a:endParaRPr lang="ko-KR" altLang="en-US"/>
           </a:p>
@@ -760,7 +767,7 @@
           <a:p>
             <a:fld id="{B7EF74F4-BB8A-4C89-B1B4-802A9375397D}" type="datetimeFigureOut">
               <a:rPr lang="ko-KR" altLang="en-US" smtClean="0"/>
-              <a:t>2019-04-15</a:t>
+              <a:t>2019-04-17</a:t>
             </a:fld>
             <a:endParaRPr lang="ko-KR" altLang="en-US"/>
           </a:p>
@@ -1006,7 +1013,7 @@
           <a:p>
             <a:fld id="{B7EF74F4-BB8A-4C89-B1B4-802A9375397D}" type="datetimeFigureOut">
               <a:rPr lang="ko-KR" altLang="en-US" smtClean="0"/>
-              <a:t>2019-04-15</a:t>
+              <a:t>2019-04-17</a:t>
             </a:fld>
             <a:endParaRPr lang="ko-KR" altLang="en-US"/>
           </a:p>
@@ -1238,7 +1245,7 @@
           <a:p>
             <a:fld id="{B7EF74F4-BB8A-4C89-B1B4-802A9375397D}" type="datetimeFigureOut">
               <a:rPr lang="ko-KR" altLang="en-US" smtClean="0"/>
-              <a:t>2019-04-15</a:t>
+              <a:t>2019-04-17</a:t>
             </a:fld>
             <a:endParaRPr lang="ko-KR" altLang="en-US"/>
           </a:p>
@@ -1605,7 +1612,7 @@
           <a:p>
             <a:fld id="{B7EF74F4-BB8A-4C89-B1B4-802A9375397D}" type="datetimeFigureOut">
               <a:rPr lang="ko-KR" altLang="en-US" smtClean="0"/>
-              <a:t>2019-04-15</a:t>
+              <a:t>2019-04-17</a:t>
             </a:fld>
             <a:endParaRPr lang="ko-KR" altLang="en-US"/>
           </a:p>
@@ -1723,7 +1730,7 @@
           <a:p>
             <a:fld id="{B7EF74F4-BB8A-4C89-B1B4-802A9375397D}" type="datetimeFigureOut">
               <a:rPr lang="ko-KR" altLang="en-US" smtClean="0"/>
-              <a:t>2019-04-15</a:t>
+              <a:t>2019-04-17</a:t>
             </a:fld>
             <a:endParaRPr lang="ko-KR" altLang="en-US"/>
           </a:p>
@@ -1818,7 +1825,7 @@
           <a:p>
             <a:fld id="{B7EF74F4-BB8A-4C89-B1B4-802A9375397D}" type="datetimeFigureOut">
               <a:rPr lang="ko-KR" altLang="en-US" smtClean="0"/>
-              <a:t>2019-04-15</a:t>
+              <a:t>2019-04-17</a:t>
             </a:fld>
             <a:endParaRPr lang="ko-KR" altLang="en-US"/>
           </a:p>
@@ -2095,7 +2102,7 @@
           <a:p>
             <a:fld id="{B7EF74F4-BB8A-4C89-B1B4-802A9375397D}" type="datetimeFigureOut">
               <a:rPr lang="ko-KR" altLang="en-US" smtClean="0"/>
-              <a:t>2019-04-15</a:t>
+              <a:t>2019-04-17</a:t>
             </a:fld>
             <a:endParaRPr lang="ko-KR" altLang="en-US"/>
           </a:p>
@@ -2348,7 +2355,7 @@
           <a:p>
             <a:fld id="{B7EF74F4-BB8A-4C89-B1B4-802A9375397D}" type="datetimeFigureOut">
               <a:rPr lang="ko-KR" altLang="en-US" smtClean="0"/>
-              <a:t>2019-04-15</a:t>
+              <a:t>2019-04-17</a:t>
             </a:fld>
             <a:endParaRPr lang="ko-KR" altLang="en-US"/>
           </a:p>
@@ -2561,7 +2568,7 @@
           <a:p>
             <a:fld id="{B7EF74F4-BB8A-4C89-B1B4-802A9375397D}" type="datetimeFigureOut">
               <a:rPr lang="ko-KR" altLang="en-US" smtClean="0"/>
-              <a:t>2019-04-15</a:t>
+              <a:t>2019-04-17</a:t>
             </a:fld>
             <a:endParaRPr lang="ko-KR" altLang="en-US"/>
           </a:p>
@@ -3455,7 +3462,6 @@
               <a:rPr lang="en-US" altLang="ko-KR" dirty="0" smtClean="0"/>
               <a:t>-table</a:t>
             </a:r>
-            <a:endParaRPr lang="en-US" altLang="ko-KR" dirty="0" smtClean="0"/>
           </a:p>
           <a:p>
             <a:endParaRPr lang="ko-KR" altLang="en-US" dirty="0"/>
@@ -6153,15 +6159,7 @@
             </a:r>
             <a:r>
               <a:rPr lang="en-US" altLang="ko-KR" dirty="0" smtClean="0"/>
-              <a:t>(</a:t>
-            </a:r>
-            <a:r>
-              <a:rPr lang="en-US" altLang="ko-KR" dirty="0" smtClean="0"/>
-              <a:t>$result</a:t>
-            </a:r>
-            <a:r>
-              <a:rPr lang="en-US" altLang="ko-KR" dirty="0" smtClean="0"/>
-              <a:t>)</a:t>
+              <a:t>($result)</a:t>
             </a:r>
           </a:p>
         </p:txBody>
@@ -7238,10 +7236,1530 @@
           </a:p>
         </p:txBody>
       </p:sp>
+      <p:sp>
+        <p:nvSpPr>
+          <p:cNvPr id="24" name="TextBox 23"/>
+          <p:cNvSpPr txBox="1"/>
+          <p:nvPr/>
+        </p:nvSpPr>
+        <p:spPr>
+          <a:xfrm>
+            <a:off x="8030563" y="976164"/>
+            <a:ext cx="1314383" cy="369332"/>
+          </a:xfrm>
+          <a:prstGeom prst="rect">
+            <a:avLst/>
+          </a:prstGeom>
+          <a:noFill/>
+        </p:spPr>
+        <p:txBody>
+          <a:bodyPr wrap="square" rtlCol="0">
+            <a:spAutoFit/>
+          </a:bodyPr>
+          <a:lstStyle/>
+          <a:p>
+            <a:r>
+              <a:rPr lang="en-US" altLang="ko-KR" dirty="0" smtClean="0"/>
+              <a:t>3</a:t>
+            </a:r>
+            <a:endParaRPr lang="ko-KR" altLang="en-US" dirty="0"/>
+          </a:p>
+        </p:txBody>
+      </p:sp>
+      <p:sp>
+        <p:nvSpPr>
+          <p:cNvPr id="25" name="TextBox 24"/>
+          <p:cNvSpPr txBox="1"/>
+          <p:nvPr/>
+        </p:nvSpPr>
+        <p:spPr>
+          <a:xfrm>
+            <a:off x="9667467" y="976164"/>
+            <a:ext cx="2160841" cy="369332"/>
+          </a:xfrm>
+          <a:prstGeom prst="rect">
+            <a:avLst/>
+          </a:prstGeom>
+          <a:noFill/>
+        </p:spPr>
+        <p:txBody>
+          <a:bodyPr wrap="square" rtlCol="0">
+            <a:spAutoFit/>
+          </a:bodyPr>
+          <a:lstStyle/>
+          <a:p>
+            <a:r>
+              <a:rPr lang="en-US" altLang="ko-KR" dirty="0" err="1" smtClean="0"/>
+              <a:t>azanghs</a:t>
+            </a:r>
+            <a:endParaRPr lang="ko-KR" altLang="en-US" dirty="0"/>
+          </a:p>
+        </p:txBody>
+      </p:sp>
+      <p:cxnSp>
+        <p:nvCxnSpPr>
+          <p:cNvPr id="3" name="직선 연결선 2"/>
+          <p:cNvCxnSpPr/>
+          <p:nvPr/>
+        </p:nvCxnSpPr>
+        <p:spPr>
+          <a:xfrm>
+            <a:off x="9193876" y="1160829"/>
+            <a:ext cx="390699" cy="0"/>
+          </a:xfrm>
+          <a:prstGeom prst="line">
+            <a:avLst/>
+          </a:prstGeom>
+        </p:spPr>
+        <p:style>
+          <a:lnRef idx="1">
+            <a:schemeClr val="accent1"/>
+          </a:lnRef>
+          <a:fillRef idx="0">
+            <a:schemeClr val="accent1"/>
+          </a:fillRef>
+          <a:effectRef idx="0">
+            <a:schemeClr val="accent1"/>
+          </a:effectRef>
+          <a:fontRef idx="minor">
+            <a:schemeClr val="tx1"/>
+          </a:fontRef>
+        </p:style>
+      </p:cxnSp>
+      <p:sp>
+        <p:nvSpPr>
+          <p:cNvPr id="27" name="TextBox 26"/>
+          <p:cNvSpPr txBox="1"/>
+          <p:nvPr/>
+        </p:nvSpPr>
+        <p:spPr>
+          <a:xfrm>
+            <a:off x="8030563" y="1426974"/>
+            <a:ext cx="1314383" cy="369332"/>
+          </a:xfrm>
+          <a:prstGeom prst="rect">
+            <a:avLst/>
+          </a:prstGeom>
+          <a:noFill/>
+        </p:spPr>
+        <p:txBody>
+          <a:bodyPr wrap="square" rtlCol="0">
+            <a:spAutoFit/>
+          </a:bodyPr>
+          <a:lstStyle/>
+          <a:p>
+            <a:r>
+              <a:rPr lang="en-US" altLang="ko-KR" dirty="0" smtClean="0"/>
+              <a:t>4</a:t>
+            </a:r>
+            <a:endParaRPr lang="ko-KR" altLang="en-US" dirty="0"/>
+          </a:p>
+        </p:txBody>
+      </p:sp>
+      <p:cxnSp>
+        <p:nvCxnSpPr>
+          <p:cNvPr id="29" name="직선 연결선 28"/>
+          <p:cNvCxnSpPr/>
+          <p:nvPr/>
+        </p:nvCxnSpPr>
+        <p:spPr>
+          <a:xfrm>
+            <a:off x="9193876" y="1611639"/>
+            <a:ext cx="390699" cy="0"/>
+          </a:xfrm>
+          <a:prstGeom prst="line">
+            <a:avLst/>
+          </a:prstGeom>
+        </p:spPr>
+        <p:style>
+          <a:lnRef idx="1">
+            <a:schemeClr val="accent1"/>
+          </a:lnRef>
+          <a:fillRef idx="0">
+            <a:schemeClr val="accent1"/>
+          </a:fillRef>
+          <a:effectRef idx="0">
+            <a:schemeClr val="accent1"/>
+          </a:effectRef>
+          <a:fontRef idx="minor">
+            <a:schemeClr val="tx1"/>
+          </a:fontRef>
+        </p:style>
+      </p:cxnSp>
+      <p:sp>
+        <p:nvSpPr>
+          <p:cNvPr id="30" name="TextBox 29"/>
+          <p:cNvSpPr txBox="1"/>
+          <p:nvPr/>
+        </p:nvSpPr>
+        <p:spPr>
+          <a:xfrm>
+            <a:off x="8030563" y="1980971"/>
+            <a:ext cx="1314383" cy="369332"/>
+          </a:xfrm>
+          <a:prstGeom prst="rect">
+            <a:avLst/>
+          </a:prstGeom>
+          <a:noFill/>
+        </p:spPr>
+        <p:txBody>
+          <a:bodyPr wrap="square" rtlCol="0">
+            <a:spAutoFit/>
+          </a:bodyPr>
+          <a:lstStyle/>
+          <a:p>
+            <a:r>
+              <a:rPr lang="en-US" altLang="ko-KR" dirty="0" smtClean="0"/>
+              <a:t>5</a:t>
+            </a:r>
+            <a:endParaRPr lang="ko-KR" altLang="en-US" dirty="0"/>
+          </a:p>
+        </p:txBody>
+      </p:sp>
+      <p:sp>
+        <p:nvSpPr>
+          <p:cNvPr id="31" name="TextBox 30"/>
+          <p:cNvSpPr txBox="1"/>
+          <p:nvPr/>
+        </p:nvSpPr>
+        <p:spPr>
+          <a:xfrm>
+            <a:off x="9759611" y="1980971"/>
+            <a:ext cx="2160841" cy="369332"/>
+          </a:xfrm>
+          <a:prstGeom prst="rect">
+            <a:avLst/>
+          </a:prstGeom>
+          <a:noFill/>
+        </p:spPr>
+        <p:txBody>
+          <a:bodyPr wrap="square" rtlCol="0">
+            <a:spAutoFit/>
+          </a:bodyPr>
+          <a:lstStyle/>
+          <a:p>
+            <a:r>
+              <a:rPr lang="en-US" altLang="ko-KR" dirty="0" err="1" smtClean="0"/>
+              <a:t>azanghs</a:t>
+            </a:r>
+            <a:endParaRPr lang="ko-KR" altLang="en-US" dirty="0"/>
+          </a:p>
+        </p:txBody>
+      </p:sp>
+      <p:cxnSp>
+        <p:nvCxnSpPr>
+          <p:cNvPr id="32" name="직선 연결선 31"/>
+          <p:cNvCxnSpPr/>
+          <p:nvPr/>
+        </p:nvCxnSpPr>
+        <p:spPr>
+          <a:xfrm>
+            <a:off x="9193876" y="2165636"/>
+            <a:ext cx="390699" cy="0"/>
+          </a:xfrm>
+          <a:prstGeom prst="line">
+            <a:avLst/>
+          </a:prstGeom>
+        </p:spPr>
+        <p:style>
+          <a:lnRef idx="1">
+            <a:schemeClr val="accent1"/>
+          </a:lnRef>
+          <a:fillRef idx="0">
+            <a:schemeClr val="accent1"/>
+          </a:fillRef>
+          <a:effectRef idx="0">
+            <a:schemeClr val="accent1"/>
+          </a:effectRef>
+          <a:fontRef idx="minor">
+            <a:schemeClr val="tx1"/>
+          </a:fontRef>
+        </p:style>
+      </p:cxnSp>
+      <p:sp>
+        <p:nvSpPr>
+          <p:cNvPr id="33" name="TextBox 32"/>
+          <p:cNvSpPr txBox="1"/>
+          <p:nvPr/>
+        </p:nvSpPr>
+        <p:spPr>
+          <a:xfrm>
+            <a:off x="8030563" y="2534967"/>
+            <a:ext cx="1314383" cy="369332"/>
+          </a:xfrm>
+          <a:prstGeom prst="rect">
+            <a:avLst/>
+          </a:prstGeom>
+          <a:noFill/>
+        </p:spPr>
+        <p:txBody>
+          <a:bodyPr wrap="square" rtlCol="0">
+            <a:spAutoFit/>
+          </a:bodyPr>
+          <a:lstStyle/>
+          <a:p>
+            <a:r>
+              <a:rPr lang="en-US" altLang="ko-KR" dirty="0" smtClean="0"/>
+              <a:t>6</a:t>
+            </a:r>
+            <a:endParaRPr lang="ko-KR" altLang="en-US" dirty="0"/>
+          </a:p>
+        </p:txBody>
+      </p:sp>
+      <p:cxnSp>
+        <p:nvCxnSpPr>
+          <p:cNvPr id="35" name="직선 연결선 34"/>
+          <p:cNvCxnSpPr/>
+          <p:nvPr/>
+        </p:nvCxnSpPr>
+        <p:spPr>
+          <a:xfrm>
+            <a:off x="9193876" y="2719632"/>
+            <a:ext cx="390699" cy="0"/>
+          </a:xfrm>
+          <a:prstGeom prst="line">
+            <a:avLst/>
+          </a:prstGeom>
+        </p:spPr>
+        <p:style>
+          <a:lnRef idx="1">
+            <a:schemeClr val="accent1"/>
+          </a:lnRef>
+          <a:fillRef idx="0">
+            <a:schemeClr val="accent1"/>
+          </a:fillRef>
+          <a:effectRef idx="0">
+            <a:schemeClr val="accent1"/>
+          </a:effectRef>
+          <a:fontRef idx="minor">
+            <a:schemeClr val="tx1"/>
+          </a:fontRef>
+        </p:style>
+      </p:cxnSp>
+      <p:sp>
+        <p:nvSpPr>
+          <p:cNvPr id="36" name="TextBox 35"/>
+          <p:cNvSpPr txBox="1"/>
+          <p:nvPr/>
+        </p:nvSpPr>
+        <p:spPr>
+          <a:xfrm>
+            <a:off x="8030563" y="3115211"/>
+            <a:ext cx="1314383" cy="369332"/>
+          </a:xfrm>
+          <a:prstGeom prst="rect">
+            <a:avLst/>
+          </a:prstGeom>
+          <a:noFill/>
+        </p:spPr>
+        <p:txBody>
+          <a:bodyPr wrap="square" rtlCol="0">
+            <a:spAutoFit/>
+          </a:bodyPr>
+          <a:lstStyle/>
+          <a:p>
+            <a:r>
+              <a:rPr lang="en-US" altLang="ko-KR" dirty="0" err="1" smtClean="0"/>
+              <a:t>session_id</a:t>
+            </a:r>
+            <a:endParaRPr lang="ko-KR" altLang="en-US" dirty="0"/>
+          </a:p>
+        </p:txBody>
+      </p:sp>
+      <p:sp>
+        <p:nvSpPr>
+          <p:cNvPr id="37" name="TextBox 36"/>
+          <p:cNvSpPr txBox="1"/>
+          <p:nvPr/>
+        </p:nvSpPr>
+        <p:spPr>
+          <a:xfrm>
+            <a:off x="9493603" y="3115211"/>
+            <a:ext cx="2160841" cy="369332"/>
+          </a:xfrm>
+          <a:prstGeom prst="rect">
+            <a:avLst/>
+          </a:prstGeom>
+          <a:noFill/>
+        </p:spPr>
+        <p:txBody>
+          <a:bodyPr wrap="square" rtlCol="0">
+            <a:spAutoFit/>
+          </a:bodyPr>
+          <a:lstStyle/>
+          <a:p>
+            <a:r>
+              <a:rPr lang="en-US" altLang="ko-KR" dirty="0"/>
+              <a:t>$_SESSION['</a:t>
+            </a:r>
+            <a:r>
+              <a:rPr lang="en-US" altLang="ko-KR" dirty="0" err="1"/>
+              <a:t>userid</a:t>
+            </a:r>
+            <a:r>
+              <a:rPr lang="en-US" altLang="ko-KR" dirty="0"/>
+              <a:t>'] </a:t>
+            </a:r>
+            <a:endParaRPr lang="ko-KR" altLang="en-US" dirty="0"/>
+          </a:p>
+        </p:txBody>
+      </p:sp>
+      <p:cxnSp>
+        <p:nvCxnSpPr>
+          <p:cNvPr id="38" name="직선 연결선 37"/>
+          <p:cNvCxnSpPr/>
+          <p:nvPr/>
+        </p:nvCxnSpPr>
+        <p:spPr>
+          <a:xfrm>
+            <a:off x="9193876" y="3299876"/>
+            <a:ext cx="390699" cy="0"/>
+          </a:xfrm>
+          <a:prstGeom prst="line">
+            <a:avLst/>
+          </a:prstGeom>
+        </p:spPr>
+        <p:style>
+          <a:lnRef idx="1">
+            <a:schemeClr val="accent1"/>
+          </a:lnRef>
+          <a:fillRef idx="0">
+            <a:schemeClr val="accent1"/>
+          </a:fillRef>
+          <a:effectRef idx="0">
+            <a:schemeClr val="accent1"/>
+          </a:effectRef>
+          <a:fontRef idx="minor">
+            <a:schemeClr val="tx1"/>
+          </a:fontRef>
+        </p:style>
+      </p:cxnSp>
     </p:spTree>
     <p:extLst>
       <p:ext uri="{BB962C8B-B14F-4D97-AF65-F5344CB8AC3E}">
         <p14:creationId xmlns:p14="http://schemas.microsoft.com/office/powerpoint/2010/main" val="1238158194"/>
+      </p:ext>
+    </p:extLst>
+  </p:cSld>
+  <p:clrMapOvr>
+    <a:masterClrMapping/>
+  </p:clrMapOvr>
+</p:sld>
+</file>
+
+<file path=ppt/slides/slide4.xml><?xml version="1.0" encoding="utf-8"?>
+<p:sld xmlns:a="http://schemas.openxmlformats.org/drawingml/2006/main" xmlns:r="http://schemas.openxmlformats.org/officeDocument/2006/relationships" xmlns:p="http://schemas.openxmlformats.org/presentationml/2006/main">
+  <p:cSld>
+    <p:spTree>
+      <p:nvGrpSpPr>
+        <p:cNvPr id="1" name=""/>
+        <p:cNvGrpSpPr/>
+        <p:nvPr/>
+      </p:nvGrpSpPr>
+      <p:grpSpPr>
+        <a:xfrm>
+          <a:off x="0" y="0"/>
+          <a:ext cx="0" cy="0"/>
+          <a:chOff x="0" y="0"/>
+          <a:chExt cx="0" cy="0"/>
+        </a:xfrm>
+      </p:grpSpPr>
+      <p:sp>
+        <p:nvSpPr>
+          <p:cNvPr id="4" name="TextBox 3"/>
+          <p:cNvSpPr txBox="1"/>
+          <p:nvPr/>
+        </p:nvSpPr>
+        <p:spPr>
+          <a:xfrm>
+            <a:off x="490451" y="423949"/>
+            <a:ext cx="9810699" cy="3139321"/>
+          </a:xfrm>
+          <a:prstGeom prst="rect">
+            <a:avLst/>
+          </a:prstGeom>
+          <a:noFill/>
+        </p:spPr>
+        <p:txBody>
+          <a:bodyPr wrap="none" rtlCol="0">
+            <a:spAutoFit/>
+          </a:bodyPr>
+          <a:lstStyle/>
+          <a:p>
+            <a:r>
+              <a:rPr lang="ko-KR" altLang="en-US" dirty="0" smtClean="0"/>
+              <a:t>로그인한 유저 </a:t>
+            </a:r>
+            <a:r>
+              <a:rPr lang="en-US" altLang="ko-KR" dirty="0" smtClean="0"/>
+              <a:t>/ </a:t>
+            </a:r>
+            <a:r>
+              <a:rPr lang="ko-KR" altLang="en-US" dirty="0" smtClean="0"/>
+              <a:t>로그인하지 않은 유저 </a:t>
+            </a:r>
+            <a:r>
+              <a:rPr lang="en-US" altLang="ko-KR" dirty="0" smtClean="0"/>
+              <a:t>: </a:t>
+            </a:r>
+            <a:r>
+              <a:rPr lang="ko-KR" altLang="en-US" dirty="0" smtClean="0"/>
+              <a:t>구분할 수 있는 방법</a:t>
+            </a:r>
+            <a:r>
+              <a:rPr lang="en-US" altLang="ko-KR" dirty="0" smtClean="0"/>
+              <a:t>.</a:t>
+            </a:r>
+          </a:p>
+          <a:p>
+            <a:endParaRPr lang="en-US" altLang="ko-KR" dirty="0"/>
+          </a:p>
+          <a:p>
+            <a:r>
+              <a:rPr lang="ko-KR" altLang="en-US" dirty="0" smtClean="0"/>
+              <a:t>로그인 </a:t>
+            </a:r>
+            <a:r>
+              <a:rPr lang="en-US" altLang="ko-KR" dirty="0" smtClean="0"/>
+              <a:t>: </a:t>
+            </a:r>
+            <a:r>
+              <a:rPr lang="ko-KR" altLang="en-US" dirty="0" smtClean="0"/>
+              <a:t>유일하게 존재하는 나만의 데이터로 서버에 인증을 거침</a:t>
+            </a:r>
+            <a:r>
+              <a:rPr lang="en-US" altLang="ko-KR" dirty="0" smtClean="0"/>
+              <a:t>.</a:t>
+            </a:r>
+          </a:p>
+          <a:p>
+            <a:endParaRPr lang="en-US" altLang="ko-KR" dirty="0"/>
+          </a:p>
+          <a:p>
+            <a:r>
+              <a:rPr lang="ko-KR" altLang="en-US" dirty="0" smtClean="0"/>
+              <a:t>인증</a:t>
+            </a:r>
+            <a:r>
+              <a:rPr lang="en-US" altLang="ko-KR" dirty="0" smtClean="0"/>
+              <a:t>)</a:t>
+            </a:r>
+          </a:p>
+          <a:p>
+            <a:r>
+              <a:rPr lang="en-US" altLang="ko-KR" dirty="0" smtClean="0"/>
+              <a:t>- </a:t>
+            </a:r>
+            <a:r>
+              <a:rPr lang="ko-KR" altLang="en-US" dirty="0" err="1" smtClean="0"/>
+              <a:t>세션기술</a:t>
+            </a:r>
+            <a:r>
+              <a:rPr lang="en-US" altLang="ko-KR" dirty="0"/>
+              <a:t> </a:t>
+            </a:r>
+            <a:r>
+              <a:rPr lang="en-US" altLang="ko-KR" dirty="0" smtClean="0"/>
+              <a:t>: </a:t>
+            </a:r>
+            <a:r>
+              <a:rPr lang="ko-KR" altLang="en-US" dirty="0" smtClean="0"/>
+              <a:t>은행에서 고유한 번호표</a:t>
+            </a:r>
+            <a:r>
+              <a:rPr lang="en-US" altLang="ko-KR" dirty="0" smtClean="0"/>
+              <a:t>(</a:t>
+            </a:r>
+            <a:r>
+              <a:rPr lang="ko-KR" altLang="en-US" dirty="0" smtClean="0"/>
+              <a:t>세션</a:t>
+            </a:r>
+            <a:r>
+              <a:rPr lang="en-US" altLang="ko-KR" dirty="0" smtClean="0"/>
+              <a:t>ID)</a:t>
+            </a:r>
+            <a:r>
+              <a:rPr lang="ko-KR" altLang="en-US" dirty="0" smtClean="0"/>
+              <a:t>를 발급</a:t>
+            </a:r>
+            <a:r>
+              <a:rPr lang="en-US" altLang="ko-KR" dirty="0" smtClean="0"/>
+              <a:t>.</a:t>
+            </a:r>
+          </a:p>
+          <a:p>
+            <a:r>
+              <a:rPr lang="ko-KR" altLang="en-US" dirty="0" err="1" smtClean="0"/>
+              <a:t>웹서버는</a:t>
+            </a:r>
+            <a:r>
+              <a:rPr lang="ko-KR" altLang="en-US" dirty="0" smtClean="0"/>
+              <a:t> 세션</a:t>
+            </a:r>
+            <a:r>
+              <a:rPr lang="en-US" altLang="ko-KR" dirty="0" smtClean="0"/>
+              <a:t>ID</a:t>
+            </a:r>
+            <a:r>
+              <a:rPr lang="ko-KR" altLang="en-US" dirty="0" smtClean="0"/>
+              <a:t>를 발급</a:t>
+            </a:r>
+            <a:r>
+              <a:rPr lang="en-US" altLang="ko-KR" dirty="0" smtClean="0"/>
+              <a:t>. </a:t>
+            </a:r>
+          </a:p>
+          <a:p>
+            <a:r>
+              <a:rPr lang="ko-KR" altLang="en-US" dirty="0" smtClean="0"/>
+              <a:t>그리고 서버는 세션</a:t>
+            </a:r>
+            <a:r>
+              <a:rPr lang="en-US" altLang="ko-KR" dirty="0" smtClean="0"/>
+              <a:t>ID</a:t>
+            </a:r>
+            <a:r>
+              <a:rPr lang="ko-KR" altLang="en-US" dirty="0" smtClean="0"/>
+              <a:t>기반으로 추가적인 정보를 저장할 수 있다</a:t>
+            </a:r>
+            <a:r>
+              <a:rPr lang="en-US" altLang="ko-KR" dirty="0" smtClean="0"/>
+              <a:t>.</a:t>
+            </a:r>
+          </a:p>
+          <a:p>
+            <a:endParaRPr lang="en-US" altLang="ko-KR" dirty="0" smtClean="0"/>
+          </a:p>
+          <a:p>
+            <a:r>
+              <a:rPr lang="ko-KR" altLang="en-US" dirty="0" err="1" smtClean="0"/>
+              <a:t>로그인을</a:t>
+            </a:r>
+            <a:r>
+              <a:rPr lang="ko-KR" altLang="en-US" dirty="0" smtClean="0"/>
+              <a:t> 수행하는 프로그래밍로직에서 정상적으로 로그인 완료시점에 </a:t>
+            </a:r>
+            <a:r>
+              <a:rPr lang="ko-KR" altLang="en-US" dirty="0" err="1" smtClean="0"/>
+              <a:t>세션정보를</a:t>
+            </a:r>
+            <a:r>
+              <a:rPr lang="ko-KR" altLang="en-US" dirty="0" smtClean="0"/>
+              <a:t> 할당하여</a:t>
+            </a:r>
+            <a:r>
+              <a:rPr lang="en-US" altLang="ko-KR" dirty="0" smtClean="0"/>
+              <a:t>,</a:t>
+            </a:r>
+          </a:p>
+          <a:p>
+            <a:r>
+              <a:rPr lang="ko-KR" altLang="en-US" dirty="0" smtClean="0"/>
+              <a:t>그 정보를 이용해서 유저의 로그인 여부 체크를 할 수 있음</a:t>
+            </a:r>
+            <a:r>
+              <a:rPr lang="en-US" altLang="ko-KR" dirty="0" smtClean="0"/>
+              <a:t>.</a:t>
+            </a:r>
+            <a:r>
+              <a:rPr lang="ko-KR" altLang="en-US" dirty="0" smtClean="0"/>
+              <a:t> </a:t>
+            </a:r>
+            <a:endParaRPr lang="ko-KR" altLang="en-US" dirty="0"/>
+          </a:p>
+        </p:txBody>
+      </p:sp>
+      <p:graphicFrame>
+        <p:nvGraphicFramePr>
+          <p:cNvPr id="5" name="표 4"/>
+          <p:cNvGraphicFramePr>
+            <a:graphicFrameLocks noGrp="1"/>
+          </p:cNvGraphicFramePr>
+          <p:nvPr>
+            <p:extLst>
+              <p:ext uri="{D42A27DB-BD31-4B8C-83A1-F6EECF244321}">
+                <p14:modId xmlns:p14="http://schemas.microsoft.com/office/powerpoint/2010/main" val="2860446968"/>
+              </p:ext>
+            </p:extLst>
+          </p:nvPr>
+        </p:nvGraphicFramePr>
+        <p:xfrm>
+          <a:off x="2015028" y="4209585"/>
+          <a:ext cx="2908300" cy="628650"/>
+        </p:xfrm>
+        <a:graphic>
+          <a:graphicData uri="http://schemas.openxmlformats.org/drawingml/2006/table">
+            <a:tbl>
+              <a:tblPr>
+                <a:tableStyleId>{5C22544A-7EE6-4342-B048-85BDC9FD1C3A}</a:tableStyleId>
+              </a:tblPr>
+              <a:tblGrid>
+                <a:gridCol w="685800">
+                  <a:extLst>
+                    <a:ext uri="{9D8B030D-6E8A-4147-A177-3AD203B41FA5}">
+                      <a16:colId xmlns:a16="http://schemas.microsoft.com/office/drawing/2014/main" val="4058523110"/>
+                    </a:ext>
+                  </a:extLst>
+                </a:gridCol>
+                <a:gridCol w="685800">
+                  <a:extLst>
+                    <a:ext uri="{9D8B030D-6E8A-4147-A177-3AD203B41FA5}">
+                      <a16:colId xmlns:a16="http://schemas.microsoft.com/office/drawing/2014/main" val="2452728247"/>
+                    </a:ext>
+                  </a:extLst>
+                </a:gridCol>
+                <a:gridCol w="685800">
+                  <a:extLst>
+                    <a:ext uri="{9D8B030D-6E8A-4147-A177-3AD203B41FA5}">
+                      <a16:colId xmlns:a16="http://schemas.microsoft.com/office/drawing/2014/main" val="2235688011"/>
+                    </a:ext>
+                  </a:extLst>
+                </a:gridCol>
+                <a:gridCol w="850900">
+                  <a:extLst>
+                    <a:ext uri="{9D8B030D-6E8A-4147-A177-3AD203B41FA5}">
+                      <a16:colId xmlns:a16="http://schemas.microsoft.com/office/drawing/2014/main" val="1701559290"/>
+                    </a:ext>
+                  </a:extLst>
+                </a:gridCol>
+              </a:tblGrid>
+              <a:tr h="209550">
+                <a:tc>
+                  <a:txBody>
+                    <a:bodyPr/>
+                    <a:lstStyle/>
+                    <a:p>
+                      <a:pPr algn="l" fontAlgn="ctr"/>
+                      <a:r>
+                        <a:rPr lang="en-US" sz="1100" u="none" strike="noStrike">
+                          <a:effectLst/>
+                        </a:rPr>
+                        <a:t>idx</a:t>
+                      </a:r>
+                      <a:endParaRPr lang="en-US" sz="1100" b="0" i="0" u="none" strike="noStrike">
+                        <a:solidFill>
+                          <a:srgbClr val="000000"/>
+                        </a:solidFill>
+                        <a:effectLst/>
+                        <a:latin typeface="맑은 고딕" panose="020B0503020000020004" pitchFamily="50" charset="-127"/>
+                        <a:ea typeface="맑은 고딕" panose="020B0503020000020004" pitchFamily="50" charset="-127"/>
+                      </a:endParaRPr>
+                    </a:p>
+                  </a:txBody>
+                  <a:tcPr marL="9525" marR="9525" marT="9525" marB="0" anchor="ctr"/>
+                </a:tc>
+                <a:tc>
+                  <a:txBody>
+                    <a:bodyPr/>
+                    <a:lstStyle/>
+                    <a:p>
+                      <a:pPr algn="l" fontAlgn="ctr"/>
+                      <a:r>
+                        <a:rPr lang="en-US" sz="1100" u="none" strike="noStrike" dirty="0" err="1">
+                          <a:effectLst/>
+                        </a:rPr>
+                        <a:t>userid</a:t>
+                      </a:r>
+                      <a:endParaRPr lang="en-US" sz="1100" b="0" i="0" u="none" strike="noStrike" dirty="0">
+                        <a:solidFill>
+                          <a:srgbClr val="000000"/>
+                        </a:solidFill>
+                        <a:effectLst/>
+                        <a:latin typeface="맑은 고딕" panose="020B0503020000020004" pitchFamily="50" charset="-127"/>
+                        <a:ea typeface="맑은 고딕" panose="020B0503020000020004" pitchFamily="50" charset="-127"/>
+                      </a:endParaRPr>
+                    </a:p>
+                  </a:txBody>
+                  <a:tcPr marL="9525" marR="9525" marT="9525" marB="0" anchor="ctr"/>
+                </a:tc>
+                <a:tc>
+                  <a:txBody>
+                    <a:bodyPr/>
+                    <a:lstStyle/>
+                    <a:p>
+                      <a:pPr algn="l" fontAlgn="ctr"/>
+                      <a:r>
+                        <a:rPr lang="en-US" sz="1100" u="none" strike="noStrike">
+                          <a:effectLst/>
+                        </a:rPr>
+                        <a:t>userpw</a:t>
+                      </a:r>
+                      <a:endParaRPr lang="en-US" sz="1100" b="0" i="0" u="none" strike="noStrike">
+                        <a:solidFill>
+                          <a:srgbClr val="000000"/>
+                        </a:solidFill>
+                        <a:effectLst/>
+                        <a:latin typeface="맑은 고딕" panose="020B0503020000020004" pitchFamily="50" charset="-127"/>
+                        <a:ea typeface="맑은 고딕" panose="020B0503020000020004" pitchFamily="50" charset="-127"/>
+                      </a:endParaRPr>
+                    </a:p>
+                  </a:txBody>
+                  <a:tcPr marL="9525" marR="9525" marT="9525" marB="0" anchor="ctr"/>
+                </a:tc>
+                <a:tc>
+                  <a:txBody>
+                    <a:bodyPr/>
+                    <a:lstStyle/>
+                    <a:p>
+                      <a:pPr algn="l" fontAlgn="ctr"/>
+                      <a:r>
+                        <a:rPr lang="en-US" sz="1100" u="none" strike="noStrike">
+                          <a:effectLst/>
+                        </a:rPr>
+                        <a:t>reg_date</a:t>
+                      </a:r>
+                      <a:endParaRPr lang="en-US" sz="1100" b="0" i="0" u="none" strike="noStrike">
+                        <a:solidFill>
+                          <a:srgbClr val="000000"/>
+                        </a:solidFill>
+                        <a:effectLst/>
+                        <a:latin typeface="맑은 고딕" panose="020B0503020000020004" pitchFamily="50" charset="-127"/>
+                        <a:ea typeface="맑은 고딕" panose="020B0503020000020004" pitchFamily="50" charset="-127"/>
+                      </a:endParaRPr>
+                    </a:p>
+                  </a:txBody>
+                  <a:tcPr marL="9525" marR="9525" marT="9525" marB="0" anchor="ctr"/>
+                </a:tc>
+                <a:extLst>
+                  <a:ext uri="{0D108BD9-81ED-4DB2-BD59-A6C34878D82A}">
+                    <a16:rowId xmlns:a16="http://schemas.microsoft.com/office/drawing/2014/main" val="4196774934"/>
+                  </a:ext>
+                </a:extLst>
+              </a:tr>
+              <a:tr h="209550">
+                <a:tc>
+                  <a:txBody>
+                    <a:bodyPr/>
+                    <a:lstStyle/>
+                    <a:p>
+                      <a:pPr algn="r" fontAlgn="ctr"/>
+                      <a:r>
+                        <a:rPr lang="en-US" altLang="ko-KR" sz="1100" u="none" strike="noStrike" dirty="0">
+                          <a:effectLst/>
+                        </a:rPr>
+                        <a:t>1</a:t>
+                      </a:r>
+                      <a:endParaRPr lang="en-US" altLang="ko-KR" sz="1100" b="0" i="0" u="none" strike="noStrike" dirty="0">
+                        <a:solidFill>
+                          <a:srgbClr val="000000"/>
+                        </a:solidFill>
+                        <a:effectLst/>
+                        <a:latin typeface="맑은 고딕" panose="020B0503020000020004" pitchFamily="50" charset="-127"/>
+                        <a:ea typeface="맑은 고딕" panose="020B0503020000020004" pitchFamily="50" charset="-127"/>
+                      </a:endParaRPr>
+                    </a:p>
+                  </a:txBody>
+                  <a:tcPr marL="9525" marR="9525" marT="9525" marB="0" anchor="ctr"/>
+                </a:tc>
+                <a:tc>
+                  <a:txBody>
+                    <a:bodyPr/>
+                    <a:lstStyle/>
+                    <a:p>
+                      <a:pPr algn="l" fontAlgn="ctr"/>
+                      <a:r>
+                        <a:rPr lang="en-US" sz="1100" u="none" strike="noStrike" dirty="0" err="1">
+                          <a:effectLst/>
+                        </a:rPr>
+                        <a:t>azanghs</a:t>
+                      </a:r>
+                      <a:endParaRPr lang="en-US" sz="1100" b="0" i="0" u="none" strike="noStrike" dirty="0">
+                        <a:solidFill>
+                          <a:srgbClr val="000000"/>
+                        </a:solidFill>
+                        <a:effectLst/>
+                        <a:latin typeface="맑은 고딕" panose="020B0503020000020004" pitchFamily="50" charset="-127"/>
+                        <a:ea typeface="맑은 고딕" panose="020B0503020000020004" pitchFamily="50" charset="-127"/>
+                      </a:endParaRPr>
+                    </a:p>
+                  </a:txBody>
+                  <a:tcPr marL="9525" marR="9525" marT="9525" marB="0" anchor="ctr"/>
+                </a:tc>
+                <a:tc>
+                  <a:txBody>
+                    <a:bodyPr/>
+                    <a:lstStyle/>
+                    <a:p>
+                      <a:pPr algn="r" fontAlgn="ctr"/>
+                      <a:r>
+                        <a:rPr lang="en-US" altLang="ko-KR" sz="1100" u="none" strike="noStrike" dirty="0">
+                          <a:effectLst/>
+                        </a:rPr>
+                        <a:t>1234</a:t>
+                      </a:r>
+                      <a:endParaRPr lang="en-US" altLang="ko-KR" sz="1100" b="0" i="0" u="none" strike="noStrike" dirty="0">
+                        <a:solidFill>
+                          <a:srgbClr val="000000"/>
+                        </a:solidFill>
+                        <a:effectLst/>
+                        <a:latin typeface="맑은 고딕" panose="020B0503020000020004" pitchFamily="50" charset="-127"/>
+                        <a:ea typeface="맑은 고딕" panose="020B0503020000020004" pitchFamily="50" charset="-127"/>
+                      </a:endParaRPr>
+                    </a:p>
+                  </a:txBody>
+                  <a:tcPr marL="9525" marR="9525" marT="9525" marB="0" anchor="ctr"/>
+                </a:tc>
+                <a:tc>
+                  <a:txBody>
+                    <a:bodyPr/>
+                    <a:lstStyle/>
+                    <a:p>
+                      <a:pPr algn="r" fontAlgn="ctr"/>
+                      <a:r>
+                        <a:rPr lang="en-US" altLang="ko-KR" sz="1100" u="none" strike="noStrike" dirty="0">
+                          <a:effectLst/>
+                        </a:rPr>
+                        <a:t>2019-04-15</a:t>
+                      </a:r>
+                      <a:endParaRPr lang="en-US" altLang="ko-KR" sz="1100" b="0" i="0" u="none" strike="noStrike" dirty="0">
+                        <a:solidFill>
+                          <a:srgbClr val="000000"/>
+                        </a:solidFill>
+                        <a:effectLst/>
+                        <a:latin typeface="맑은 고딕" panose="020B0503020000020004" pitchFamily="50" charset="-127"/>
+                        <a:ea typeface="맑은 고딕" panose="020B0503020000020004" pitchFamily="50" charset="-127"/>
+                      </a:endParaRPr>
+                    </a:p>
+                  </a:txBody>
+                  <a:tcPr marL="9525" marR="9525" marT="9525" marB="0" anchor="ctr"/>
+                </a:tc>
+                <a:extLst>
+                  <a:ext uri="{0D108BD9-81ED-4DB2-BD59-A6C34878D82A}">
+                    <a16:rowId xmlns:a16="http://schemas.microsoft.com/office/drawing/2014/main" val="1789645962"/>
+                  </a:ext>
+                </a:extLst>
+              </a:tr>
+              <a:tr h="209550">
+                <a:tc>
+                  <a:txBody>
+                    <a:bodyPr/>
+                    <a:lstStyle/>
+                    <a:p>
+                      <a:pPr algn="r" fontAlgn="ctr"/>
+                      <a:r>
+                        <a:rPr lang="en-US" altLang="ko-KR" sz="1100" u="none" strike="noStrike">
+                          <a:effectLst/>
+                        </a:rPr>
+                        <a:t>2</a:t>
+                      </a:r>
+                      <a:endParaRPr lang="en-US" altLang="ko-KR" sz="1100" b="0" i="0" u="none" strike="noStrike">
+                        <a:solidFill>
+                          <a:srgbClr val="000000"/>
+                        </a:solidFill>
+                        <a:effectLst/>
+                        <a:latin typeface="맑은 고딕" panose="020B0503020000020004" pitchFamily="50" charset="-127"/>
+                        <a:ea typeface="맑은 고딕" panose="020B0503020000020004" pitchFamily="50" charset="-127"/>
+                      </a:endParaRPr>
+                    </a:p>
+                  </a:txBody>
+                  <a:tcPr marL="9525" marR="9525" marT="9525" marB="0" anchor="ctr"/>
+                </a:tc>
+                <a:tc>
+                  <a:txBody>
+                    <a:bodyPr/>
+                    <a:lstStyle/>
+                    <a:p>
+                      <a:pPr algn="l" fontAlgn="ctr"/>
+                      <a:r>
+                        <a:rPr lang="en-US" sz="1100" u="none" strike="noStrike" dirty="0" err="1">
+                          <a:effectLst/>
+                        </a:rPr>
+                        <a:t>azang</a:t>
+                      </a:r>
+                      <a:r>
+                        <a:rPr lang="en-US" sz="1100" u="none" strike="noStrike" dirty="0">
+                          <a:effectLst/>
+                        </a:rPr>
+                        <a:t> </a:t>
+                      </a:r>
+                      <a:endParaRPr lang="en-US" sz="1100" b="0" i="0" u="none" strike="noStrike" dirty="0">
+                        <a:solidFill>
+                          <a:srgbClr val="000000"/>
+                        </a:solidFill>
+                        <a:effectLst/>
+                        <a:latin typeface="맑은 고딕" panose="020B0503020000020004" pitchFamily="50" charset="-127"/>
+                        <a:ea typeface="맑은 고딕" panose="020B0503020000020004" pitchFamily="50" charset="-127"/>
+                      </a:endParaRPr>
+                    </a:p>
+                  </a:txBody>
+                  <a:tcPr marL="9525" marR="9525" marT="9525" marB="0" anchor="ctr"/>
+                </a:tc>
+                <a:tc>
+                  <a:txBody>
+                    <a:bodyPr/>
+                    <a:lstStyle/>
+                    <a:p>
+                      <a:pPr algn="r" fontAlgn="ctr"/>
+                      <a:r>
+                        <a:rPr lang="en-US" altLang="ko-KR" sz="1100" u="none" strike="noStrike" dirty="0">
+                          <a:effectLst/>
+                        </a:rPr>
+                        <a:t>123</a:t>
+                      </a:r>
+                      <a:endParaRPr lang="en-US" altLang="ko-KR" sz="1100" b="0" i="0" u="none" strike="noStrike" dirty="0">
+                        <a:solidFill>
+                          <a:srgbClr val="000000"/>
+                        </a:solidFill>
+                        <a:effectLst/>
+                        <a:latin typeface="맑은 고딕" panose="020B0503020000020004" pitchFamily="50" charset="-127"/>
+                        <a:ea typeface="맑은 고딕" panose="020B0503020000020004" pitchFamily="50" charset="-127"/>
+                      </a:endParaRPr>
+                    </a:p>
+                  </a:txBody>
+                  <a:tcPr marL="9525" marR="9525" marT="9525" marB="0" anchor="ctr"/>
+                </a:tc>
+                <a:tc>
+                  <a:txBody>
+                    <a:bodyPr/>
+                    <a:lstStyle/>
+                    <a:p>
+                      <a:pPr algn="r" fontAlgn="ctr"/>
+                      <a:r>
+                        <a:rPr lang="en-US" altLang="ko-KR" sz="1100" u="none" strike="noStrike" dirty="0">
+                          <a:effectLst/>
+                        </a:rPr>
+                        <a:t>2019-04-15</a:t>
+                      </a:r>
+                      <a:endParaRPr lang="en-US" altLang="ko-KR" sz="1100" b="0" i="0" u="none" strike="noStrike" dirty="0">
+                        <a:solidFill>
+                          <a:srgbClr val="000000"/>
+                        </a:solidFill>
+                        <a:effectLst/>
+                        <a:latin typeface="맑은 고딕" panose="020B0503020000020004" pitchFamily="50" charset="-127"/>
+                        <a:ea typeface="맑은 고딕" panose="020B0503020000020004" pitchFamily="50" charset="-127"/>
+                      </a:endParaRPr>
+                    </a:p>
+                  </a:txBody>
+                  <a:tcPr marL="9525" marR="9525" marT="9525" marB="0" anchor="ctr"/>
+                </a:tc>
+                <a:extLst>
+                  <a:ext uri="{0D108BD9-81ED-4DB2-BD59-A6C34878D82A}">
+                    <a16:rowId xmlns:a16="http://schemas.microsoft.com/office/drawing/2014/main" val="36326664"/>
+                  </a:ext>
+                </a:extLst>
+              </a:tr>
+            </a:tbl>
+          </a:graphicData>
+        </a:graphic>
+      </p:graphicFrame>
+      <p:sp>
+        <p:nvSpPr>
+          <p:cNvPr id="7" name="TextBox 6"/>
+          <p:cNvSpPr txBox="1"/>
+          <p:nvPr/>
+        </p:nvSpPr>
+        <p:spPr>
+          <a:xfrm>
+            <a:off x="1097280" y="4339244"/>
+            <a:ext cx="859466" cy="369332"/>
+          </a:xfrm>
+          <a:prstGeom prst="rect">
+            <a:avLst/>
+          </a:prstGeom>
+          <a:noFill/>
+        </p:spPr>
+        <p:txBody>
+          <a:bodyPr wrap="none" rtlCol="0">
+            <a:spAutoFit/>
+          </a:bodyPr>
+          <a:lstStyle/>
+          <a:p>
+            <a:r>
+              <a:rPr lang="en-US" altLang="ko-KR" dirty="0" smtClean="0"/>
+              <a:t>$row=</a:t>
+            </a:r>
+            <a:endParaRPr lang="ko-KR" altLang="en-US" dirty="0"/>
+          </a:p>
+        </p:txBody>
+      </p:sp>
+      <p:cxnSp>
+        <p:nvCxnSpPr>
+          <p:cNvPr id="8" name="직선 화살표 연결선 7"/>
+          <p:cNvCxnSpPr/>
+          <p:nvPr/>
+        </p:nvCxnSpPr>
+        <p:spPr>
+          <a:xfrm>
+            <a:off x="1608114" y="4339244"/>
+            <a:ext cx="348632" cy="0"/>
+          </a:xfrm>
+          <a:prstGeom prst="straightConnector1">
+            <a:avLst/>
+          </a:prstGeom>
+          <a:ln>
+            <a:tailEnd type="triangle"/>
+          </a:ln>
+        </p:spPr>
+        <p:style>
+          <a:lnRef idx="1">
+            <a:schemeClr val="accent1"/>
+          </a:lnRef>
+          <a:fillRef idx="0">
+            <a:schemeClr val="accent1"/>
+          </a:fillRef>
+          <a:effectRef idx="0">
+            <a:schemeClr val="accent1"/>
+          </a:effectRef>
+          <a:fontRef idx="minor">
+            <a:schemeClr val="tx1"/>
+          </a:fontRef>
+        </p:style>
+      </p:cxnSp>
+      <p:sp>
+        <p:nvSpPr>
+          <p:cNvPr id="9" name="TextBox 8"/>
+          <p:cNvSpPr txBox="1"/>
+          <p:nvPr/>
+        </p:nvSpPr>
+        <p:spPr>
+          <a:xfrm>
+            <a:off x="1097280" y="5212080"/>
+            <a:ext cx="3110019" cy="369332"/>
+          </a:xfrm>
+          <a:prstGeom prst="rect">
+            <a:avLst/>
+          </a:prstGeom>
+          <a:noFill/>
+        </p:spPr>
+        <p:txBody>
+          <a:bodyPr wrap="none" rtlCol="0">
+            <a:spAutoFit/>
+          </a:bodyPr>
+          <a:lstStyle/>
+          <a:p>
+            <a:r>
+              <a:rPr lang="en-US" altLang="ko-KR" dirty="0" err="1" smtClean="0"/>
+              <a:t>mysqli_num_rows</a:t>
+            </a:r>
+            <a:r>
+              <a:rPr lang="en-US" altLang="ko-KR" dirty="0" smtClean="0"/>
+              <a:t>($row) = 1</a:t>
+            </a:r>
+            <a:endParaRPr lang="ko-KR" altLang="en-US" dirty="0"/>
+          </a:p>
+        </p:txBody>
+      </p:sp>
+      <p:cxnSp>
+        <p:nvCxnSpPr>
+          <p:cNvPr id="10" name="직선 화살표 연결선 9"/>
+          <p:cNvCxnSpPr/>
+          <p:nvPr/>
+        </p:nvCxnSpPr>
+        <p:spPr>
+          <a:xfrm>
+            <a:off x="1608114" y="4523910"/>
+            <a:ext cx="348632" cy="0"/>
+          </a:xfrm>
+          <a:prstGeom prst="straightConnector1">
+            <a:avLst/>
+          </a:prstGeom>
+          <a:ln>
+            <a:tailEnd type="triangle"/>
+          </a:ln>
+        </p:spPr>
+        <p:style>
+          <a:lnRef idx="1">
+            <a:schemeClr val="accent1"/>
+          </a:lnRef>
+          <a:fillRef idx="0">
+            <a:schemeClr val="accent1"/>
+          </a:fillRef>
+          <a:effectRef idx="0">
+            <a:schemeClr val="accent1"/>
+          </a:effectRef>
+          <a:fontRef idx="minor">
+            <a:schemeClr val="tx1"/>
+          </a:fontRef>
+        </p:style>
+      </p:cxnSp>
+      <p:sp>
+        <p:nvSpPr>
+          <p:cNvPr id="11" name="TextBox 10"/>
+          <p:cNvSpPr txBox="1"/>
+          <p:nvPr/>
+        </p:nvSpPr>
+        <p:spPr>
+          <a:xfrm>
+            <a:off x="5619404" y="4209585"/>
+            <a:ext cx="2980175" cy="369332"/>
+          </a:xfrm>
+          <a:prstGeom prst="rect">
+            <a:avLst/>
+          </a:prstGeom>
+          <a:noFill/>
+        </p:spPr>
+        <p:txBody>
+          <a:bodyPr wrap="none" rtlCol="0">
+            <a:spAutoFit/>
+          </a:bodyPr>
+          <a:lstStyle/>
+          <a:p>
+            <a:r>
+              <a:rPr lang="en-US" altLang="ko-KR" dirty="0" err="1" smtClean="0"/>
+              <a:t>mysqli_fetch_array</a:t>
+            </a:r>
+            <a:r>
+              <a:rPr lang="en-US" altLang="ko-KR" dirty="0" smtClean="0"/>
+              <a:t>($row) =</a:t>
+            </a:r>
+            <a:endParaRPr lang="ko-KR" altLang="en-US" dirty="0"/>
+          </a:p>
+        </p:txBody>
+      </p:sp>
+      <p:graphicFrame>
+        <p:nvGraphicFramePr>
+          <p:cNvPr id="12" name="표 11"/>
+          <p:cNvGraphicFramePr>
+            <a:graphicFrameLocks noGrp="1"/>
+          </p:cNvGraphicFramePr>
+          <p:nvPr>
+            <p:extLst>
+              <p:ext uri="{D42A27DB-BD31-4B8C-83A1-F6EECF244321}">
+                <p14:modId xmlns:p14="http://schemas.microsoft.com/office/powerpoint/2010/main" val="1843881275"/>
+              </p:ext>
+            </p:extLst>
+          </p:nvPr>
+        </p:nvGraphicFramePr>
+        <p:xfrm>
+          <a:off x="8544098" y="4314360"/>
+          <a:ext cx="2908300" cy="209550"/>
+        </p:xfrm>
+        <a:graphic>
+          <a:graphicData uri="http://schemas.openxmlformats.org/drawingml/2006/table">
+            <a:tbl>
+              <a:tblPr>
+                <a:tableStyleId>{5C22544A-7EE6-4342-B048-85BDC9FD1C3A}</a:tableStyleId>
+              </a:tblPr>
+              <a:tblGrid>
+                <a:gridCol w="685800">
+                  <a:extLst>
+                    <a:ext uri="{9D8B030D-6E8A-4147-A177-3AD203B41FA5}">
+                      <a16:colId xmlns:a16="http://schemas.microsoft.com/office/drawing/2014/main" val="3824380882"/>
+                    </a:ext>
+                  </a:extLst>
+                </a:gridCol>
+                <a:gridCol w="685800">
+                  <a:extLst>
+                    <a:ext uri="{9D8B030D-6E8A-4147-A177-3AD203B41FA5}">
+                      <a16:colId xmlns:a16="http://schemas.microsoft.com/office/drawing/2014/main" val="1523492085"/>
+                    </a:ext>
+                  </a:extLst>
+                </a:gridCol>
+                <a:gridCol w="685800">
+                  <a:extLst>
+                    <a:ext uri="{9D8B030D-6E8A-4147-A177-3AD203B41FA5}">
+                      <a16:colId xmlns:a16="http://schemas.microsoft.com/office/drawing/2014/main" val="1008587700"/>
+                    </a:ext>
+                  </a:extLst>
+                </a:gridCol>
+                <a:gridCol w="850900">
+                  <a:extLst>
+                    <a:ext uri="{9D8B030D-6E8A-4147-A177-3AD203B41FA5}">
+                      <a16:colId xmlns:a16="http://schemas.microsoft.com/office/drawing/2014/main" val="1999387929"/>
+                    </a:ext>
+                  </a:extLst>
+                </a:gridCol>
+              </a:tblGrid>
+              <a:tr h="209550">
+                <a:tc>
+                  <a:txBody>
+                    <a:bodyPr/>
+                    <a:lstStyle/>
+                    <a:p>
+                      <a:pPr algn="r" fontAlgn="ctr"/>
+                      <a:r>
+                        <a:rPr lang="en-US" altLang="ko-KR" sz="1100" u="none" strike="noStrike" dirty="0">
+                          <a:effectLst/>
+                        </a:rPr>
+                        <a:t>1</a:t>
+                      </a:r>
+                      <a:endParaRPr lang="en-US" altLang="ko-KR" sz="1100" b="0" i="0" u="none" strike="noStrike" dirty="0">
+                        <a:solidFill>
+                          <a:srgbClr val="000000"/>
+                        </a:solidFill>
+                        <a:effectLst/>
+                        <a:latin typeface="맑은 고딕" panose="020B0503020000020004" pitchFamily="50" charset="-127"/>
+                        <a:ea typeface="맑은 고딕" panose="020B0503020000020004" pitchFamily="50" charset="-127"/>
+                      </a:endParaRPr>
+                    </a:p>
+                  </a:txBody>
+                  <a:tcPr marL="9525" marR="9525" marT="9525" marB="0" anchor="ctr"/>
+                </a:tc>
+                <a:tc>
+                  <a:txBody>
+                    <a:bodyPr/>
+                    <a:lstStyle/>
+                    <a:p>
+                      <a:pPr algn="l" fontAlgn="ctr"/>
+                      <a:r>
+                        <a:rPr lang="en-US" sz="1100" u="none" strike="noStrike" dirty="0" err="1">
+                          <a:effectLst/>
+                        </a:rPr>
+                        <a:t>azanghs</a:t>
+                      </a:r>
+                      <a:endParaRPr lang="en-US" sz="1100" b="0" i="0" u="none" strike="noStrike" dirty="0">
+                        <a:solidFill>
+                          <a:srgbClr val="000000"/>
+                        </a:solidFill>
+                        <a:effectLst/>
+                        <a:latin typeface="맑은 고딕" panose="020B0503020000020004" pitchFamily="50" charset="-127"/>
+                        <a:ea typeface="맑은 고딕" panose="020B0503020000020004" pitchFamily="50" charset="-127"/>
+                      </a:endParaRPr>
+                    </a:p>
+                  </a:txBody>
+                  <a:tcPr marL="9525" marR="9525" marT="9525" marB="0" anchor="ctr"/>
+                </a:tc>
+                <a:tc>
+                  <a:txBody>
+                    <a:bodyPr/>
+                    <a:lstStyle/>
+                    <a:p>
+                      <a:pPr algn="r" fontAlgn="ctr"/>
+                      <a:r>
+                        <a:rPr lang="en-US" altLang="ko-KR" sz="1100" u="none" strike="noStrike" dirty="0">
+                          <a:effectLst/>
+                        </a:rPr>
+                        <a:t>1234</a:t>
+                      </a:r>
+                      <a:endParaRPr lang="en-US" altLang="ko-KR" sz="1100" b="0" i="0" u="none" strike="noStrike" dirty="0">
+                        <a:solidFill>
+                          <a:srgbClr val="000000"/>
+                        </a:solidFill>
+                        <a:effectLst/>
+                        <a:latin typeface="맑은 고딕" panose="020B0503020000020004" pitchFamily="50" charset="-127"/>
+                        <a:ea typeface="맑은 고딕" panose="020B0503020000020004" pitchFamily="50" charset="-127"/>
+                      </a:endParaRPr>
+                    </a:p>
+                  </a:txBody>
+                  <a:tcPr marL="9525" marR="9525" marT="9525" marB="0" anchor="ctr"/>
+                </a:tc>
+                <a:tc>
+                  <a:txBody>
+                    <a:bodyPr/>
+                    <a:lstStyle/>
+                    <a:p>
+                      <a:pPr algn="r" fontAlgn="ctr"/>
+                      <a:r>
+                        <a:rPr lang="en-US" altLang="ko-KR" sz="1100" u="none" strike="noStrike" dirty="0">
+                          <a:effectLst/>
+                        </a:rPr>
+                        <a:t>2019-04-15</a:t>
+                      </a:r>
+                      <a:endParaRPr lang="en-US" altLang="ko-KR" sz="1100" b="0" i="0" u="none" strike="noStrike" dirty="0">
+                        <a:solidFill>
+                          <a:srgbClr val="000000"/>
+                        </a:solidFill>
+                        <a:effectLst/>
+                        <a:latin typeface="맑은 고딕" panose="020B0503020000020004" pitchFamily="50" charset="-127"/>
+                        <a:ea typeface="맑은 고딕" panose="020B0503020000020004" pitchFamily="50" charset="-127"/>
+                      </a:endParaRPr>
+                    </a:p>
+                  </a:txBody>
+                  <a:tcPr marL="9525" marR="9525" marT="9525" marB="0" anchor="ctr"/>
+                </a:tc>
+                <a:extLst>
+                  <a:ext uri="{0D108BD9-81ED-4DB2-BD59-A6C34878D82A}">
+                    <a16:rowId xmlns:a16="http://schemas.microsoft.com/office/drawing/2014/main" val="2485504057"/>
+                  </a:ext>
+                </a:extLst>
+              </a:tr>
+            </a:tbl>
+          </a:graphicData>
+        </a:graphic>
+      </p:graphicFrame>
+    </p:spTree>
+    <p:extLst>
+      <p:ext uri="{BB962C8B-B14F-4D97-AF65-F5344CB8AC3E}">
+        <p14:creationId xmlns:p14="http://schemas.microsoft.com/office/powerpoint/2010/main" val="177034479"/>
+      </p:ext>
+    </p:extLst>
+  </p:cSld>
+  <p:clrMapOvr>
+    <a:masterClrMapping/>
+  </p:clrMapOvr>
+</p:sld>
+</file>
+
+<file path=ppt/slides/slide5.xml><?xml version="1.0" encoding="utf-8"?>
+<p:sld xmlns:a="http://schemas.openxmlformats.org/drawingml/2006/main" xmlns:r="http://schemas.openxmlformats.org/officeDocument/2006/relationships" xmlns:p="http://schemas.openxmlformats.org/presentationml/2006/main">
+  <p:cSld>
+    <p:spTree>
+      <p:nvGrpSpPr>
+        <p:cNvPr id="1" name=""/>
+        <p:cNvGrpSpPr/>
+        <p:nvPr/>
+      </p:nvGrpSpPr>
+      <p:grpSpPr>
+        <a:xfrm>
+          <a:off x="0" y="0"/>
+          <a:ext cx="0" cy="0"/>
+          <a:chOff x="0" y="0"/>
+          <a:chExt cx="0" cy="0"/>
+        </a:xfrm>
+      </p:grpSpPr>
+      <p:sp>
+        <p:nvSpPr>
+          <p:cNvPr id="4" name="TextBox 3"/>
+          <p:cNvSpPr txBox="1"/>
+          <p:nvPr/>
+        </p:nvSpPr>
+        <p:spPr>
+          <a:xfrm>
+            <a:off x="556953" y="432262"/>
+            <a:ext cx="7279557" cy="2031325"/>
+          </a:xfrm>
+          <a:prstGeom prst="rect">
+            <a:avLst/>
+          </a:prstGeom>
+          <a:noFill/>
+        </p:spPr>
+        <p:txBody>
+          <a:bodyPr wrap="none" rtlCol="0">
+            <a:spAutoFit/>
+          </a:bodyPr>
+          <a:lstStyle/>
+          <a:p>
+            <a:r>
+              <a:rPr lang="ko-KR" altLang="en-US" dirty="0" err="1" smtClean="0"/>
+              <a:t>웹페이지</a:t>
+            </a:r>
+            <a:r>
+              <a:rPr lang="en-US" altLang="ko-KR" dirty="0" smtClean="0"/>
+              <a:t>)</a:t>
+            </a:r>
+          </a:p>
+          <a:p>
+            <a:r>
+              <a:rPr lang="en-US" altLang="ko-KR" dirty="0" smtClean="0"/>
+              <a:t>html : iframe.</a:t>
+            </a:r>
+          </a:p>
+          <a:p>
+            <a:r>
+              <a:rPr lang="en-US" altLang="ko-KR" dirty="0" err="1" smtClean="0"/>
+              <a:t>css</a:t>
+            </a:r>
+            <a:r>
+              <a:rPr lang="en-US" altLang="ko-KR" dirty="0" smtClean="0"/>
+              <a:t> : </a:t>
+            </a:r>
+            <a:r>
+              <a:rPr lang="ko-KR" altLang="en-US" dirty="0" err="1" smtClean="0"/>
+              <a:t>직접구현</a:t>
+            </a:r>
+            <a:r>
+              <a:rPr lang="en-US" altLang="ko-KR" dirty="0" smtClean="0"/>
+              <a:t>, </a:t>
+            </a:r>
+            <a:r>
+              <a:rPr lang="ko-KR" altLang="en-US" dirty="0" err="1" smtClean="0"/>
+              <a:t>외부파일</a:t>
+            </a:r>
+            <a:r>
+              <a:rPr lang="ko-KR" altLang="en-US" dirty="0" smtClean="0"/>
+              <a:t> </a:t>
+            </a:r>
+            <a:r>
+              <a:rPr lang="ko-KR" altLang="en-US" dirty="0" err="1" smtClean="0"/>
+              <a:t>임포트</a:t>
+            </a:r>
+            <a:r>
+              <a:rPr lang="en-US" altLang="ko-KR" dirty="0" smtClean="0"/>
+              <a:t>(&lt;link </a:t>
+            </a:r>
+            <a:r>
+              <a:rPr lang="en-US" altLang="ko-KR" dirty="0" err="1" smtClean="0"/>
+              <a:t>href</a:t>
+            </a:r>
+            <a:r>
+              <a:rPr lang="en-US" altLang="ko-KR" dirty="0" smtClean="0"/>
+              <a:t>=“</a:t>
+            </a:r>
+            <a:r>
+              <a:rPr lang="ko-KR" altLang="en-US" dirty="0" smtClean="0"/>
+              <a:t>경로</a:t>
+            </a:r>
+            <a:r>
+              <a:rPr lang="en-US" altLang="ko-KR" dirty="0" smtClean="0"/>
+              <a:t>” </a:t>
+            </a:r>
+            <a:r>
+              <a:rPr lang="en-US" altLang="ko-KR" dirty="0" err="1" smtClean="0"/>
+              <a:t>rel</a:t>
+            </a:r>
+            <a:r>
+              <a:rPr lang="en-US" altLang="ko-KR" dirty="0" smtClean="0"/>
+              <a:t>=“stylesheet”&gt;)</a:t>
+            </a:r>
+          </a:p>
+          <a:p>
+            <a:r>
+              <a:rPr lang="en-US" altLang="ko-KR" dirty="0" err="1" smtClean="0"/>
+              <a:t>javascript</a:t>
+            </a:r>
+            <a:r>
+              <a:rPr lang="en-US" altLang="ko-KR" dirty="0" smtClean="0"/>
+              <a:t> : </a:t>
+            </a:r>
+            <a:r>
+              <a:rPr lang="ko-KR" altLang="en-US" dirty="0" err="1" smtClean="0"/>
+              <a:t>직접구현</a:t>
+            </a:r>
+            <a:r>
+              <a:rPr lang="en-US" altLang="ko-KR" dirty="0" smtClean="0"/>
+              <a:t>, </a:t>
+            </a:r>
+            <a:r>
+              <a:rPr lang="ko-KR" altLang="en-US" dirty="0" err="1" smtClean="0"/>
+              <a:t>외부파</a:t>
+            </a:r>
+            <a:r>
+              <a:rPr lang="ko-KR" altLang="en-US" dirty="0" err="1"/>
+              <a:t>일</a:t>
+            </a:r>
+            <a:r>
+              <a:rPr lang="ko-KR" altLang="en-US" dirty="0" smtClean="0"/>
+              <a:t> </a:t>
+            </a:r>
+            <a:r>
+              <a:rPr lang="ko-KR" altLang="en-US" dirty="0" err="1" smtClean="0"/>
+              <a:t>임포트</a:t>
+            </a:r>
+            <a:r>
+              <a:rPr lang="en-US" altLang="ko-KR" dirty="0" smtClean="0"/>
+              <a:t>.</a:t>
+            </a:r>
+          </a:p>
+          <a:p>
+            <a:r>
+              <a:rPr lang="en-US" altLang="ko-KR" dirty="0" smtClean="0"/>
+              <a:t>+</a:t>
+            </a:r>
+          </a:p>
+          <a:p>
+            <a:r>
+              <a:rPr lang="en-US" altLang="ko-KR" dirty="0" err="1" smtClean="0"/>
+              <a:t>php</a:t>
+            </a:r>
+            <a:r>
+              <a:rPr lang="en-US" altLang="ko-KR" dirty="0" smtClean="0"/>
+              <a:t> : </a:t>
+            </a:r>
+            <a:r>
+              <a:rPr lang="en-US" altLang="ko-KR" dirty="0" err="1" smtClean="0"/>
+              <a:t>include_once</a:t>
+            </a:r>
+            <a:endParaRPr lang="en-US" altLang="ko-KR" dirty="0" smtClean="0"/>
+          </a:p>
+          <a:p>
+            <a:endParaRPr lang="en-US" altLang="ko-KR" dirty="0" smtClean="0"/>
+          </a:p>
+        </p:txBody>
+      </p:sp>
+    </p:spTree>
+    <p:extLst>
+      <p:ext uri="{BB962C8B-B14F-4D97-AF65-F5344CB8AC3E}">
+        <p14:creationId xmlns:p14="http://schemas.microsoft.com/office/powerpoint/2010/main" val="218890356"/>
       </p:ext>
     </p:extLst>
   </p:cSld>
